--- a/Barrio Seguro_06.pptx
+++ b/Barrio Seguro_06.pptx
@@ -120,6 +120,10 @@
 </p:presentation>
 </file>
 
+<file path=ppt/revisionInfo.xml><?xml version="1.0" encoding="utf-8"?>
+<p1510:revInfo xmlns:a="http://schemas.openxmlformats.org/drawingml/2006/main" xmlns:r="http://schemas.openxmlformats.org/officeDocument/2006/relationships" xmlns:p1510="http://schemas.microsoft.com/office/powerpoint/2015/10/main"/>
+</file>
+
 <file path=ppt/slideLayouts/slideLayout1.xml><?xml version="1.0" encoding="utf-8"?>
 <p:sldLayout xmlns:a="http://schemas.openxmlformats.org/drawingml/2006/main" xmlns:r="http://schemas.openxmlformats.org/officeDocument/2006/relationships" xmlns:p="http://schemas.openxmlformats.org/presentationml/2006/main" type="title" preserve="1">
   <p:cSld name="Diapositiva de título">
@@ -269,7 +273,7 @@
           <a:p>
             <a:fld id="{731B481B-82E0-47F5-BBD1-9D391723579D}" type="datetimeFigureOut">
               <a:rPr lang="es-MX" smtClean="0"/>
-              <a:t>24/10/2017</a:t>
+              <a:t>25/10/2017</a:t>
             </a:fld>
             <a:endParaRPr lang="es-MX"/>
           </a:p>
@@ -469,7 +473,7 @@
           <a:p>
             <a:fld id="{731B481B-82E0-47F5-BBD1-9D391723579D}" type="datetimeFigureOut">
               <a:rPr lang="es-MX" smtClean="0"/>
-              <a:t>24/10/2017</a:t>
+              <a:t>25/10/2017</a:t>
             </a:fld>
             <a:endParaRPr lang="es-MX"/>
           </a:p>
@@ -679,7 +683,7 @@
           <a:p>
             <a:fld id="{731B481B-82E0-47F5-BBD1-9D391723579D}" type="datetimeFigureOut">
               <a:rPr lang="es-MX" smtClean="0"/>
-              <a:t>24/10/2017</a:t>
+              <a:t>25/10/2017</a:t>
             </a:fld>
             <a:endParaRPr lang="es-MX"/>
           </a:p>
@@ -879,7 +883,7 @@
           <a:p>
             <a:fld id="{731B481B-82E0-47F5-BBD1-9D391723579D}" type="datetimeFigureOut">
               <a:rPr lang="es-MX" smtClean="0"/>
-              <a:t>24/10/2017</a:t>
+              <a:t>25/10/2017</a:t>
             </a:fld>
             <a:endParaRPr lang="es-MX"/>
           </a:p>
@@ -1155,7 +1159,7 @@
           <a:p>
             <a:fld id="{731B481B-82E0-47F5-BBD1-9D391723579D}" type="datetimeFigureOut">
               <a:rPr lang="es-MX" smtClean="0"/>
-              <a:t>24/10/2017</a:t>
+              <a:t>25/10/2017</a:t>
             </a:fld>
             <a:endParaRPr lang="es-MX"/>
           </a:p>
@@ -1423,7 +1427,7 @@
           <a:p>
             <a:fld id="{731B481B-82E0-47F5-BBD1-9D391723579D}" type="datetimeFigureOut">
               <a:rPr lang="es-MX" smtClean="0"/>
-              <a:t>24/10/2017</a:t>
+              <a:t>25/10/2017</a:t>
             </a:fld>
             <a:endParaRPr lang="es-MX"/>
           </a:p>
@@ -1838,7 +1842,7 @@
           <a:p>
             <a:fld id="{731B481B-82E0-47F5-BBD1-9D391723579D}" type="datetimeFigureOut">
               <a:rPr lang="es-MX" smtClean="0"/>
-              <a:t>24/10/2017</a:t>
+              <a:t>25/10/2017</a:t>
             </a:fld>
             <a:endParaRPr lang="es-MX"/>
           </a:p>
@@ -1980,7 +1984,7 @@
           <a:p>
             <a:fld id="{731B481B-82E0-47F5-BBD1-9D391723579D}" type="datetimeFigureOut">
               <a:rPr lang="es-MX" smtClean="0"/>
-              <a:t>24/10/2017</a:t>
+              <a:t>25/10/2017</a:t>
             </a:fld>
             <a:endParaRPr lang="es-MX"/>
           </a:p>
@@ -2093,7 +2097,7 @@
           <a:p>
             <a:fld id="{731B481B-82E0-47F5-BBD1-9D391723579D}" type="datetimeFigureOut">
               <a:rPr lang="es-MX" smtClean="0"/>
-              <a:t>24/10/2017</a:t>
+              <a:t>25/10/2017</a:t>
             </a:fld>
             <a:endParaRPr lang="es-MX"/>
           </a:p>
@@ -2406,7 +2410,7 @@
           <a:p>
             <a:fld id="{731B481B-82E0-47F5-BBD1-9D391723579D}" type="datetimeFigureOut">
               <a:rPr lang="es-MX" smtClean="0"/>
-              <a:t>24/10/2017</a:t>
+              <a:t>25/10/2017</a:t>
             </a:fld>
             <a:endParaRPr lang="es-MX"/>
           </a:p>
@@ -2695,7 +2699,7 @@
           <a:p>
             <a:fld id="{731B481B-82E0-47F5-BBD1-9D391723579D}" type="datetimeFigureOut">
               <a:rPr lang="es-MX" smtClean="0"/>
-              <a:t>24/10/2017</a:t>
+              <a:t>25/10/2017</a:t>
             </a:fld>
             <a:endParaRPr lang="es-MX"/>
           </a:p>
@@ -2938,7 +2942,7 @@
           <a:p>
             <a:fld id="{731B481B-82E0-47F5-BBD1-9D391723579D}" type="datetimeFigureOut">
               <a:rPr lang="es-MX" smtClean="0"/>
-              <a:t>24/10/2017</a:t>
+              <a:t>25/10/2017</a:t>
             </a:fld>
             <a:endParaRPr lang="es-MX"/>
           </a:p>
@@ -4174,10 +4178,10 @@
       </p:sp>
       <p:pic>
         <p:nvPicPr>
-          <p:cNvPr id="6" name="Marcador de contenido 5">
-            <a:extLst>
-              <a:ext uri="{FF2B5EF4-FFF2-40B4-BE49-F238E27FC236}">
-                <a16:creationId xmlns:a16="http://schemas.microsoft.com/office/drawing/2014/main" id="{56C99ABF-E7A8-40F1-B008-D642C2F74606}"/>
+          <p:cNvPr id="8" name="Marcador de contenido 7">
+            <a:extLst>
+              <a:ext uri="{FF2B5EF4-FFF2-40B4-BE49-F238E27FC236}">
+                <a16:creationId xmlns:a16="http://schemas.microsoft.com/office/drawing/2014/main" id="{56576E09-A363-45AF-B345-B1D8BEB35FC3}"/>
               </a:ext>
             </a:extLst>
           </p:cNvPr>
@@ -4202,7 +4206,7 @@
         </p:blipFill>
         <p:spPr>
           <a:xfrm>
-            <a:off x="3154017" y="1690688"/>
+            <a:off x="3602278" y="1852129"/>
             <a:ext cx="4351338" cy="4351338"/>
           </a:xfrm>
         </p:spPr>
